--- a/docs/source/_images/liftover_illustration.pptx
+++ b/docs/source/_images/liftover_illustration.pptx
@@ -244,7 +244,7 @@
           <a:p>
             <a:fld id="{C69AE12F-40C8-8740-9D7F-FCB069D598E0}" type="datetimeFigureOut">
               <a:rPr lang="en-US" smtClean="0"/>
-              <a:t>3/4/24</a:t>
+              <a:t>3/14/24</a:t>
             </a:fld>
             <a:endParaRPr lang="en-US"/>
           </a:p>
@@ -414,7 +414,7 @@
           <a:p>
             <a:fld id="{C69AE12F-40C8-8740-9D7F-FCB069D598E0}" type="datetimeFigureOut">
               <a:rPr lang="en-US" smtClean="0"/>
-              <a:t>3/4/24</a:t>
+              <a:t>3/14/24</a:t>
             </a:fld>
             <a:endParaRPr lang="en-US"/>
           </a:p>
@@ -594,7 +594,7 @@
           <a:p>
             <a:fld id="{C69AE12F-40C8-8740-9D7F-FCB069D598E0}" type="datetimeFigureOut">
               <a:rPr lang="en-US" smtClean="0"/>
-              <a:t>3/4/24</a:t>
+              <a:t>3/14/24</a:t>
             </a:fld>
             <a:endParaRPr lang="en-US"/>
           </a:p>
@@ -764,7 +764,7 @@
           <a:p>
             <a:fld id="{C69AE12F-40C8-8740-9D7F-FCB069D598E0}" type="datetimeFigureOut">
               <a:rPr lang="en-US" smtClean="0"/>
-              <a:t>3/4/24</a:t>
+              <a:t>3/14/24</a:t>
             </a:fld>
             <a:endParaRPr lang="en-US"/>
           </a:p>
@@ -1010,7 +1010,7 @@
           <a:p>
             <a:fld id="{C69AE12F-40C8-8740-9D7F-FCB069D598E0}" type="datetimeFigureOut">
               <a:rPr lang="en-US" smtClean="0"/>
-              <a:t>3/4/24</a:t>
+              <a:t>3/14/24</a:t>
             </a:fld>
             <a:endParaRPr lang="en-US"/>
           </a:p>
@@ -1242,7 +1242,7 @@
           <a:p>
             <a:fld id="{C69AE12F-40C8-8740-9D7F-FCB069D598E0}" type="datetimeFigureOut">
               <a:rPr lang="en-US" smtClean="0"/>
-              <a:t>3/4/24</a:t>
+              <a:t>3/14/24</a:t>
             </a:fld>
             <a:endParaRPr lang="en-US"/>
           </a:p>
@@ -1609,7 +1609,7 @@
           <a:p>
             <a:fld id="{C69AE12F-40C8-8740-9D7F-FCB069D598E0}" type="datetimeFigureOut">
               <a:rPr lang="en-US" smtClean="0"/>
-              <a:t>3/4/24</a:t>
+              <a:t>3/14/24</a:t>
             </a:fld>
             <a:endParaRPr lang="en-US"/>
           </a:p>
@@ -1727,7 +1727,7 @@
           <a:p>
             <a:fld id="{C69AE12F-40C8-8740-9D7F-FCB069D598E0}" type="datetimeFigureOut">
               <a:rPr lang="en-US" smtClean="0"/>
-              <a:t>3/4/24</a:t>
+              <a:t>3/14/24</a:t>
             </a:fld>
             <a:endParaRPr lang="en-US"/>
           </a:p>
@@ -1822,7 +1822,7 @@
           <a:p>
             <a:fld id="{C69AE12F-40C8-8740-9D7F-FCB069D598E0}" type="datetimeFigureOut">
               <a:rPr lang="en-US" smtClean="0"/>
-              <a:t>3/4/24</a:t>
+              <a:t>3/14/24</a:t>
             </a:fld>
             <a:endParaRPr lang="en-US"/>
           </a:p>
@@ -2099,7 +2099,7 @@
           <a:p>
             <a:fld id="{C69AE12F-40C8-8740-9D7F-FCB069D598E0}" type="datetimeFigureOut">
               <a:rPr lang="en-US" smtClean="0"/>
-              <a:t>3/4/24</a:t>
+              <a:t>3/14/24</a:t>
             </a:fld>
             <a:endParaRPr lang="en-US"/>
           </a:p>
@@ -2356,7 +2356,7 @@
           <a:p>
             <a:fld id="{C69AE12F-40C8-8740-9D7F-FCB069D598E0}" type="datetimeFigureOut">
               <a:rPr lang="en-US" smtClean="0"/>
-              <a:t>3/4/24</a:t>
+              <a:t>3/14/24</a:t>
             </a:fld>
             <a:endParaRPr lang="en-US"/>
           </a:p>
@@ -2569,7 +2569,7 @@
           <a:p>
             <a:fld id="{C69AE12F-40C8-8740-9D7F-FCB069D598E0}" type="datetimeFigureOut">
               <a:rPr lang="en-US" smtClean="0"/>
-              <a:t>3/4/24</a:t>
+              <a:t>3/14/24</a:t>
             </a:fld>
             <a:endParaRPr lang="en-US"/>
           </a:p>
@@ -3044,13 +3044,13 @@
             <a:avLst/>
           </a:prstGeom>
           <a:solidFill>
-            <a:schemeClr val="accent6">
-              <a:lumMod val="75000"/>
-            </a:schemeClr>
+            <a:schemeClr val="accent5"/>
           </a:solidFill>
-          <a:ln w="12700">
+          <a:ln w="38100">
             <a:solidFill>
-              <a:schemeClr val="tx1"/>
+              <a:schemeClr val="accent5">
+                <a:lumMod val="50000"/>
+              </a:schemeClr>
             </a:solidFill>
           </a:ln>
         </p:spPr>
@@ -3100,13 +3100,13 @@
             <a:avLst/>
           </a:prstGeom>
           <a:solidFill>
-            <a:schemeClr val="accent6">
-              <a:lumMod val="75000"/>
-            </a:schemeClr>
+            <a:schemeClr val="accent5"/>
           </a:solidFill>
-          <a:ln w="12700">
+          <a:ln w="38100">
             <a:solidFill>
-              <a:schemeClr val="tx1"/>
+              <a:schemeClr val="accent5">
+                <a:lumMod val="50000"/>
+              </a:schemeClr>
             </a:solidFill>
           </a:ln>
         </p:spPr>
@@ -3156,13 +3156,13 @@
             <a:avLst/>
           </a:prstGeom>
           <a:solidFill>
-            <a:schemeClr val="accent6">
-              <a:lumMod val="75000"/>
-            </a:schemeClr>
+            <a:schemeClr val="accent5"/>
           </a:solidFill>
-          <a:ln w="12700">
+          <a:ln w="38100">
             <a:solidFill>
-              <a:schemeClr val="tx1"/>
+              <a:schemeClr val="accent5">
+                <a:lumMod val="50000"/>
+              </a:schemeClr>
             </a:solidFill>
           </a:ln>
         </p:spPr>
@@ -3331,13 +3331,15 @@
             <a:avLst/>
           </a:prstGeom>
           <a:solidFill>
-            <a:schemeClr val="accent6">
+            <a:schemeClr val="accent4">
               <a:lumMod val="75000"/>
             </a:schemeClr>
           </a:solidFill>
-          <a:ln w="12700">
+          <a:ln w="38100">
             <a:solidFill>
-              <a:schemeClr val="tx1"/>
+              <a:schemeClr val="accent4">
+                <a:lumMod val="50000"/>
+              </a:schemeClr>
             </a:solidFill>
           </a:ln>
         </p:spPr>
@@ -3387,13 +3389,15 @@
             <a:avLst/>
           </a:prstGeom>
           <a:solidFill>
-            <a:schemeClr val="accent6">
+            <a:schemeClr val="accent4">
               <a:lumMod val="75000"/>
             </a:schemeClr>
           </a:solidFill>
-          <a:ln w="12700">
+          <a:ln w="38100">
             <a:solidFill>
-              <a:schemeClr val="tx1"/>
+              <a:schemeClr val="accent4">
+                <a:lumMod val="50000"/>
+              </a:schemeClr>
             </a:solidFill>
           </a:ln>
         </p:spPr>
@@ -3443,13 +3447,15 @@
             <a:avLst/>
           </a:prstGeom>
           <a:solidFill>
-            <a:schemeClr val="accent6">
+            <a:schemeClr val="accent4">
               <a:lumMod val="75000"/>
             </a:schemeClr>
           </a:solidFill>
-          <a:ln w="12700">
+          <a:ln w="38100">
             <a:solidFill>
-              <a:schemeClr val="tx1"/>
+              <a:schemeClr val="accent4">
+                <a:lumMod val="50000"/>
+              </a:schemeClr>
             </a:solidFill>
           </a:ln>
         </p:spPr>
@@ -3499,13 +3505,15 @@
             <a:avLst/>
           </a:prstGeom>
           <a:solidFill>
-            <a:schemeClr val="accent6">
+            <a:schemeClr val="accent4">
               <a:lumMod val="75000"/>
             </a:schemeClr>
           </a:solidFill>
-          <a:ln w="12700">
+          <a:ln w="38100">
             <a:solidFill>
-              <a:schemeClr val="tx1"/>
+              <a:schemeClr val="accent4">
+                <a:lumMod val="50000"/>
+              </a:schemeClr>
             </a:solidFill>
           </a:ln>
         </p:spPr>
@@ -3555,13 +3563,15 @@
             <a:avLst/>
           </a:prstGeom>
           <a:solidFill>
-            <a:schemeClr val="accent6">
+            <a:schemeClr val="accent4">
               <a:lumMod val="75000"/>
             </a:schemeClr>
           </a:solidFill>
-          <a:ln w="12700">
+          <a:ln w="38100">
             <a:solidFill>
-              <a:schemeClr val="tx1"/>
+              <a:schemeClr val="accent4">
+                <a:lumMod val="50000"/>
+              </a:schemeClr>
             </a:solidFill>
           </a:ln>
         </p:spPr>
@@ -3611,13 +3621,13 @@
             <a:avLst/>
           </a:prstGeom>
           <a:solidFill>
-            <a:schemeClr val="accent6">
-              <a:lumMod val="75000"/>
-            </a:schemeClr>
+            <a:srgbClr val="00B050"/>
           </a:solidFill>
-          <a:ln w="12700">
+          <a:ln w="38100">
             <a:solidFill>
-              <a:schemeClr val="tx1"/>
+              <a:schemeClr val="accent6">
+                <a:lumMod val="50000"/>
+              </a:schemeClr>
             </a:solidFill>
           </a:ln>
         </p:spPr>
@@ -3667,13 +3677,13 @@
             <a:avLst/>
           </a:prstGeom>
           <a:solidFill>
-            <a:schemeClr val="accent6">
-              <a:lumMod val="75000"/>
-            </a:schemeClr>
+            <a:srgbClr val="00B050"/>
           </a:solidFill>
-          <a:ln w="12700">
+          <a:ln w="38100">
             <a:solidFill>
-              <a:schemeClr val="tx1"/>
+              <a:schemeClr val="accent6">
+                <a:lumMod val="50000"/>
+              </a:schemeClr>
             </a:solidFill>
           </a:ln>
         </p:spPr>
@@ -3723,13 +3733,13 @@
             <a:avLst/>
           </a:prstGeom>
           <a:solidFill>
-            <a:schemeClr val="accent6">
-              <a:lumMod val="75000"/>
-            </a:schemeClr>
+            <a:srgbClr val="00B050"/>
           </a:solidFill>
-          <a:ln w="12700">
+          <a:ln w="38100">
             <a:solidFill>
-              <a:schemeClr val="tx1"/>
+              <a:schemeClr val="accent6">
+                <a:lumMod val="50000"/>
+              </a:schemeClr>
             </a:solidFill>
           </a:ln>
         </p:spPr>
@@ -3778,6 +3788,13 @@
           <a:prstGeom prst="leftBrace">
             <a:avLst/>
           </a:prstGeom>
+          <a:ln w="38100">
+            <a:solidFill>
+              <a:schemeClr val="accent5">
+                <a:lumMod val="75000"/>
+              </a:schemeClr>
+            </a:solidFill>
+          </a:ln>
         </p:spPr>
         <p:style>
           <a:lnRef idx="2">
@@ -3816,13 +3833,21 @@
         </p:nvSpPr>
         <p:spPr>
           <a:xfrm>
-            <a:off x="3432997" y="353242"/>
-            <a:ext cx="1537600" cy="369332"/>
+            <a:off x="3604621" y="370176"/>
+            <a:ext cx="1154483" cy="461665"/>
           </a:xfrm>
           <a:prstGeom prst="rect">
             <a:avLst/>
           </a:prstGeom>
           <a:noFill/>
+          <a:effectLst>
+            <a:glow rad="63500">
+              <a:schemeClr val="accent1">
+                <a:satMod val="175000"/>
+                <a:alpha val="40000"/>
+              </a:schemeClr>
+            </a:glow>
+          </a:effectLst>
         </p:spPr>
         <p:txBody>
           <a:bodyPr wrap="none" rtlCol="0">
@@ -3831,14 +3856,14 @@
           <a:lstStyle/>
           <a:p>
             <a:r>
-              <a:rPr lang="en-US" b="1" dirty="0">
+              <a:rPr lang="en-US" sz="2400" b="1" dirty="0">
                 <a:solidFill>
-                  <a:schemeClr val="accent6">
+                  <a:schemeClr val="accent5">
                     <a:lumMod val="75000"/>
                   </a:schemeClr>
                 </a:solidFill>
               </a:rPr>
-              <a:t>Gene locus 1</a:t>
+              <a:t>Gene 1</a:t>
             </a:r>
           </a:p>
         </p:txBody>
@@ -3863,6 +3888,13 @@
           <a:prstGeom prst="leftBrace">
             <a:avLst/>
           </a:prstGeom>
+          <a:ln w="38100">
+            <a:solidFill>
+              <a:schemeClr val="accent4">
+                <a:lumMod val="75000"/>
+              </a:schemeClr>
+            </a:solidFill>
+          </a:ln>
         </p:spPr>
         <p:style>
           <a:lnRef idx="2">
@@ -3901,13 +3933,21 @@
         </p:nvSpPr>
         <p:spPr>
           <a:xfrm>
-            <a:off x="6965275" y="349945"/>
-            <a:ext cx="1537600" cy="369332"/>
+            <a:off x="7136899" y="349945"/>
+            <a:ext cx="1154483" cy="461665"/>
           </a:xfrm>
           <a:prstGeom prst="rect">
             <a:avLst/>
           </a:prstGeom>
           <a:noFill/>
+          <a:effectLst>
+            <a:glow rad="63500">
+              <a:schemeClr val="accent1">
+                <a:satMod val="175000"/>
+                <a:alpha val="40000"/>
+              </a:schemeClr>
+            </a:glow>
+          </a:effectLst>
         </p:spPr>
         <p:txBody>
           <a:bodyPr wrap="none" rtlCol="0">
@@ -3916,14 +3956,14 @@
           <a:lstStyle/>
           <a:p>
             <a:r>
-              <a:rPr lang="en-US" b="1" dirty="0">
+              <a:rPr lang="en-US" sz="2400" b="1" dirty="0">
                 <a:solidFill>
-                  <a:schemeClr val="accent6">
+                  <a:schemeClr val="accent4">
                     <a:lumMod val="75000"/>
                   </a:schemeClr>
                 </a:solidFill>
               </a:rPr>
-              <a:t>Gene locus 2</a:t>
+              <a:t>Gene 2</a:t>
             </a:r>
           </a:p>
         </p:txBody>
@@ -3948,6 +3988,13 @@
           <a:prstGeom prst="leftBrace">
             <a:avLst/>
           </a:prstGeom>
+          <a:ln w="38100">
+            <a:solidFill>
+              <a:schemeClr val="accent6">
+                <a:lumMod val="75000"/>
+              </a:schemeClr>
+            </a:solidFill>
+          </a:ln>
         </p:spPr>
         <p:style>
           <a:lnRef idx="2">
@@ -3986,13 +4033,21 @@
         </p:nvSpPr>
         <p:spPr>
           <a:xfrm>
-            <a:off x="10097947" y="349945"/>
-            <a:ext cx="1537600" cy="369332"/>
+            <a:off x="10269571" y="349945"/>
+            <a:ext cx="1154483" cy="461665"/>
           </a:xfrm>
           <a:prstGeom prst="rect">
             <a:avLst/>
           </a:prstGeom>
           <a:noFill/>
+          <a:effectLst>
+            <a:glow rad="63500">
+              <a:schemeClr val="accent1">
+                <a:satMod val="175000"/>
+                <a:alpha val="40000"/>
+              </a:schemeClr>
+            </a:glow>
+          </a:effectLst>
         </p:spPr>
         <p:txBody>
           <a:bodyPr wrap="none" rtlCol="0">
@@ -4001,14 +4056,14 @@
           <a:lstStyle/>
           <a:p>
             <a:r>
-              <a:rPr lang="en-US" b="1" dirty="0">
+              <a:rPr lang="en-US" sz="2400" b="1" dirty="0">
                 <a:solidFill>
                   <a:schemeClr val="accent6">
                     <a:lumMod val="75000"/>
                   </a:schemeClr>
                 </a:solidFill>
               </a:rPr>
-              <a:t>Gene locus 3</a:t>
+              <a:t>Gene 3</a:t>
             </a:r>
           </a:p>
         </p:txBody>
@@ -4109,7 +4164,7 @@
         </p:nvSpPr>
         <p:spPr>
           <a:xfrm>
-            <a:off x="2373726" y="273001"/>
+            <a:off x="2019589" y="273001"/>
             <a:ext cx="671979" cy="523220"/>
           </a:xfrm>
           <a:prstGeom prst="rect">
@@ -4286,261 +4341,6 @@
       </p:sp>
       <p:sp>
         <p:nvSpPr>
-          <p:cNvPr id="22" name="Left Brace 21">
-            <a:extLst>
-              <a:ext uri="{FF2B5EF4-FFF2-40B4-BE49-F238E27FC236}">
-                <a16:creationId xmlns:a16="http://schemas.microsoft.com/office/drawing/2014/main" id="{535E8984-88F1-77DC-50E5-C444C81D55CC}"/>
-              </a:ext>
-            </a:extLst>
-          </p:cNvPr>
-          <p:cNvSpPr/>
-          <p:nvPr/>
-        </p:nvSpPr>
-        <p:spPr>
-          <a:xfrm rot="5400000">
-            <a:off x="3982530" y="2539255"/>
-            <a:ext cx="405837" cy="2515090"/>
-          </a:xfrm>
-          <a:prstGeom prst="leftBrace">
-            <a:avLst/>
-          </a:prstGeom>
-        </p:spPr>
-        <p:style>
-          <a:lnRef idx="2">
-            <a:schemeClr val="accent1"/>
-          </a:lnRef>
-          <a:fillRef idx="0">
-            <a:schemeClr val="accent1"/>
-          </a:fillRef>
-          <a:effectRef idx="1">
-            <a:schemeClr val="accent1"/>
-          </a:effectRef>
-          <a:fontRef idx="minor">
-            <a:schemeClr val="tx1"/>
-          </a:fontRef>
-        </p:style>
-        <p:txBody>
-          <a:bodyPr rtlCol="0" anchor="ctr"/>
-          <a:lstStyle/>
-          <a:p>
-            <a:pPr algn="ctr"/>
-            <a:endParaRPr lang="en-US"/>
-          </a:p>
-        </p:txBody>
-      </p:sp>
-      <p:sp>
-        <p:nvSpPr>
-          <p:cNvPr id="23" name="TextBox 22">
-            <a:extLst>
-              <a:ext uri="{FF2B5EF4-FFF2-40B4-BE49-F238E27FC236}">
-                <a16:creationId xmlns:a16="http://schemas.microsoft.com/office/drawing/2014/main" id="{606AE9B3-48C4-5D9F-0B37-A3472EFC6BA0}"/>
-              </a:ext>
-            </a:extLst>
-          </p:cNvPr>
-          <p:cNvSpPr txBox="1"/>
-          <p:nvPr/>
-        </p:nvSpPr>
-        <p:spPr>
-          <a:xfrm>
-            <a:off x="3436580" y="3096863"/>
-            <a:ext cx="1537600" cy="369332"/>
-          </a:xfrm>
-          <a:prstGeom prst="rect">
-            <a:avLst/>
-          </a:prstGeom>
-          <a:noFill/>
-        </p:spPr>
-        <p:txBody>
-          <a:bodyPr wrap="none" rtlCol="0">
-            <a:spAutoFit/>
-          </a:bodyPr>
-          <a:lstStyle/>
-          <a:p>
-            <a:r>
-              <a:rPr lang="en-US" b="1" dirty="0">
-                <a:solidFill>
-                  <a:schemeClr val="accent2">
-                    <a:lumMod val="75000"/>
-                  </a:schemeClr>
-                </a:solidFill>
-              </a:rPr>
-              <a:t>Gene locus 1</a:t>
-            </a:r>
-          </a:p>
-        </p:txBody>
-      </p:sp>
-      <p:sp>
-        <p:nvSpPr>
-          <p:cNvPr id="24" name="Left Brace 23">
-            <a:extLst>
-              <a:ext uri="{FF2B5EF4-FFF2-40B4-BE49-F238E27FC236}">
-                <a16:creationId xmlns:a16="http://schemas.microsoft.com/office/drawing/2014/main" id="{9E91306F-3563-BDE8-0032-88BCD9BC9277}"/>
-              </a:ext>
-            </a:extLst>
-          </p:cNvPr>
-          <p:cNvSpPr/>
-          <p:nvPr/>
-        </p:nvSpPr>
-        <p:spPr>
-          <a:xfrm rot="5400000">
-            <a:off x="7381274" y="2515030"/>
-            <a:ext cx="405837" cy="2556956"/>
-          </a:xfrm>
-          <a:prstGeom prst="leftBrace">
-            <a:avLst/>
-          </a:prstGeom>
-        </p:spPr>
-        <p:style>
-          <a:lnRef idx="2">
-            <a:schemeClr val="accent1"/>
-          </a:lnRef>
-          <a:fillRef idx="0">
-            <a:schemeClr val="accent1"/>
-          </a:fillRef>
-          <a:effectRef idx="1">
-            <a:schemeClr val="accent1"/>
-          </a:effectRef>
-          <a:fontRef idx="minor">
-            <a:schemeClr val="tx1"/>
-          </a:fontRef>
-        </p:style>
-        <p:txBody>
-          <a:bodyPr rtlCol="0" anchor="ctr"/>
-          <a:lstStyle/>
-          <a:p>
-            <a:pPr algn="ctr"/>
-            <a:endParaRPr lang="en-US"/>
-          </a:p>
-        </p:txBody>
-      </p:sp>
-      <p:sp>
-        <p:nvSpPr>
-          <p:cNvPr id="25" name="TextBox 24">
-            <a:extLst>
-              <a:ext uri="{FF2B5EF4-FFF2-40B4-BE49-F238E27FC236}">
-                <a16:creationId xmlns:a16="http://schemas.microsoft.com/office/drawing/2014/main" id="{ADD98521-EBA5-CABF-F6FB-6AF8B5250195}"/>
-              </a:ext>
-            </a:extLst>
-          </p:cNvPr>
-          <p:cNvSpPr txBox="1"/>
-          <p:nvPr/>
-        </p:nvSpPr>
-        <p:spPr>
-          <a:xfrm>
-            <a:off x="6830194" y="3093568"/>
-            <a:ext cx="1537600" cy="369332"/>
-          </a:xfrm>
-          <a:prstGeom prst="rect">
-            <a:avLst/>
-          </a:prstGeom>
-          <a:noFill/>
-        </p:spPr>
-        <p:txBody>
-          <a:bodyPr wrap="none" rtlCol="0">
-            <a:spAutoFit/>
-          </a:bodyPr>
-          <a:lstStyle/>
-          <a:p>
-            <a:r>
-              <a:rPr lang="en-US" b="1" dirty="0">
-                <a:solidFill>
-                  <a:schemeClr val="accent2">
-                    <a:lumMod val="75000"/>
-                  </a:schemeClr>
-                </a:solidFill>
-              </a:rPr>
-              <a:t>Gene locus 2</a:t>
-            </a:r>
-          </a:p>
-        </p:txBody>
-      </p:sp>
-      <p:sp>
-        <p:nvSpPr>
-          <p:cNvPr id="26" name="Left Brace 25">
-            <a:extLst>
-              <a:ext uri="{FF2B5EF4-FFF2-40B4-BE49-F238E27FC236}">
-                <a16:creationId xmlns:a16="http://schemas.microsoft.com/office/drawing/2014/main" id="{D4EA2A30-C00D-1FA5-5AE3-25A69D87B833}"/>
-              </a:ext>
-            </a:extLst>
-          </p:cNvPr>
-          <p:cNvSpPr/>
-          <p:nvPr/>
-        </p:nvSpPr>
-        <p:spPr>
-          <a:xfrm rot="5400000">
-            <a:off x="10816950" y="2476999"/>
-            <a:ext cx="405837" cy="2633019"/>
-          </a:xfrm>
-          <a:prstGeom prst="leftBrace">
-            <a:avLst/>
-          </a:prstGeom>
-        </p:spPr>
-        <p:style>
-          <a:lnRef idx="2">
-            <a:schemeClr val="accent1"/>
-          </a:lnRef>
-          <a:fillRef idx="0">
-            <a:schemeClr val="accent1"/>
-          </a:fillRef>
-          <a:effectRef idx="1">
-            <a:schemeClr val="accent1"/>
-          </a:effectRef>
-          <a:fontRef idx="minor">
-            <a:schemeClr val="tx1"/>
-          </a:fontRef>
-        </p:style>
-        <p:txBody>
-          <a:bodyPr rtlCol="0" anchor="ctr"/>
-          <a:lstStyle/>
-          <a:p>
-            <a:pPr algn="ctr"/>
-            <a:endParaRPr lang="en-US"/>
-          </a:p>
-        </p:txBody>
-      </p:sp>
-      <p:sp>
-        <p:nvSpPr>
-          <p:cNvPr id="27" name="TextBox 26">
-            <a:extLst>
-              <a:ext uri="{FF2B5EF4-FFF2-40B4-BE49-F238E27FC236}">
-                <a16:creationId xmlns:a16="http://schemas.microsoft.com/office/drawing/2014/main" id="{AC44649D-6014-3A56-2C07-963C7037A574}"/>
-              </a:ext>
-            </a:extLst>
-          </p:cNvPr>
-          <p:cNvSpPr txBox="1"/>
-          <p:nvPr/>
-        </p:nvSpPr>
-        <p:spPr>
-          <a:xfrm>
-            <a:off x="10271000" y="3093566"/>
-            <a:ext cx="1537600" cy="369332"/>
-          </a:xfrm>
-          <a:prstGeom prst="rect">
-            <a:avLst/>
-          </a:prstGeom>
-          <a:noFill/>
-        </p:spPr>
-        <p:txBody>
-          <a:bodyPr wrap="none" rtlCol="0">
-            <a:spAutoFit/>
-          </a:bodyPr>
-          <a:lstStyle/>
-          <a:p>
-            <a:r>
-              <a:rPr lang="en-US" b="1" dirty="0">
-                <a:solidFill>
-                  <a:schemeClr val="accent2">
-                    <a:lumMod val="75000"/>
-                  </a:schemeClr>
-                </a:solidFill>
-              </a:rPr>
-              <a:t>Gene locus 3</a:t>
-            </a:r>
-          </a:p>
-        </p:txBody>
-      </p:sp>
-      <p:sp>
-        <p:nvSpPr>
           <p:cNvPr id="2" name="Rectangle 1">
             <a:extLst>
               <a:ext uri="{FF2B5EF4-FFF2-40B4-BE49-F238E27FC236}">
@@ -4560,13 +4360,15 @@
             <a:avLst/>
           </a:prstGeom>
           <a:solidFill>
-            <a:schemeClr val="accent2">
+            <a:schemeClr val="accent5">
               <a:lumMod val="75000"/>
             </a:schemeClr>
           </a:solidFill>
-          <a:ln w="12700">
+          <a:ln w="38100">
             <a:solidFill>
-              <a:schemeClr val="tx1"/>
+              <a:schemeClr val="accent5">
+                <a:lumMod val="50000"/>
+              </a:schemeClr>
             </a:solidFill>
           </a:ln>
         </p:spPr>
@@ -4616,13 +4418,15 @@
             <a:avLst/>
           </a:prstGeom>
           <a:solidFill>
-            <a:schemeClr val="accent2">
+            <a:schemeClr val="accent5">
               <a:lumMod val="75000"/>
             </a:schemeClr>
           </a:solidFill>
-          <a:ln w="12700">
+          <a:ln w="38100">
             <a:solidFill>
-              <a:schemeClr val="tx1"/>
+              <a:schemeClr val="accent5">
+                <a:lumMod val="50000"/>
+              </a:schemeClr>
             </a:solidFill>
           </a:ln>
         </p:spPr>
@@ -4672,13 +4476,15 @@
             <a:avLst/>
           </a:prstGeom>
           <a:solidFill>
-            <a:schemeClr val="accent2">
+            <a:schemeClr val="accent5">
               <a:lumMod val="75000"/>
             </a:schemeClr>
           </a:solidFill>
-          <a:ln w="12700">
+          <a:ln w="38100">
             <a:solidFill>
-              <a:schemeClr val="tx1"/>
+              <a:schemeClr val="accent5">
+                <a:lumMod val="50000"/>
+              </a:schemeClr>
             </a:solidFill>
           </a:ln>
         </p:spPr>
@@ -4728,13 +4534,15 @@
             <a:avLst/>
           </a:prstGeom>
           <a:solidFill>
-            <a:schemeClr val="accent2">
+            <a:schemeClr val="accent4">
               <a:lumMod val="75000"/>
             </a:schemeClr>
           </a:solidFill>
-          <a:ln w="12700">
+          <a:ln w="38100">
             <a:solidFill>
-              <a:schemeClr val="tx1"/>
+              <a:schemeClr val="accent4">
+                <a:lumMod val="50000"/>
+              </a:schemeClr>
             </a:solidFill>
           </a:ln>
         </p:spPr>
@@ -4759,7 +4567,13 @@
           <a:lstStyle/>
           <a:p>
             <a:pPr algn="ctr"/>
-            <a:endParaRPr lang="en-US" dirty="0"/>
+            <a:endParaRPr lang="en-US" dirty="0">
+              <a:solidFill>
+                <a:schemeClr val="accent4">
+                  <a:lumMod val="75000"/>
+                </a:schemeClr>
+              </a:solidFill>
+            </a:endParaRPr>
           </a:p>
         </p:txBody>
       </p:sp>
@@ -4784,13 +4598,15 @@
             <a:avLst/>
           </a:prstGeom>
           <a:solidFill>
-            <a:schemeClr val="accent2">
+            <a:schemeClr val="accent4">
               <a:lumMod val="75000"/>
             </a:schemeClr>
           </a:solidFill>
-          <a:ln w="12700">
+          <a:ln w="38100">
             <a:solidFill>
-              <a:schemeClr val="tx1"/>
+              <a:schemeClr val="accent4">
+                <a:lumMod val="50000"/>
+              </a:schemeClr>
             </a:solidFill>
           </a:ln>
         </p:spPr>
@@ -4815,7 +4631,13 @@
           <a:lstStyle/>
           <a:p>
             <a:pPr algn="ctr"/>
-            <a:endParaRPr lang="en-US" dirty="0"/>
+            <a:endParaRPr lang="en-US" dirty="0">
+              <a:solidFill>
+                <a:schemeClr val="accent4">
+                  <a:lumMod val="75000"/>
+                </a:schemeClr>
+              </a:solidFill>
+            </a:endParaRPr>
           </a:p>
         </p:txBody>
       </p:sp>
@@ -4840,13 +4662,15 @@
             <a:avLst/>
           </a:prstGeom>
           <a:solidFill>
-            <a:schemeClr val="accent2">
+            <a:schemeClr val="accent4">
               <a:lumMod val="75000"/>
             </a:schemeClr>
           </a:solidFill>
-          <a:ln w="12700">
+          <a:ln w="38100">
             <a:solidFill>
-              <a:schemeClr val="tx1"/>
+              <a:schemeClr val="accent4">
+                <a:lumMod val="50000"/>
+              </a:schemeClr>
             </a:solidFill>
           </a:ln>
         </p:spPr>
@@ -4871,7 +4695,13 @@
           <a:lstStyle/>
           <a:p>
             <a:pPr algn="ctr"/>
-            <a:endParaRPr lang="en-US" dirty="0"/>
+            <a:endParaRPr lang="en-US" dirty="0">
+              <a:solidFill>
+                <a:schemeClr val="accent4">
+                  <a:lumMod val="75000"/>
+                </a:schemeClr>
+              </a:solidFill>
+            </a:endParaRPr>
           </a:p>
         </p:txBody>
       </p:sp>
@@ -4896,13 +4726,15 @@
             <a:avLst/>
           </a:prstGeom>
           <a:solidFill>
-            <a:schemeClr val="accent2">
+            <a:schemeClr val="accent4">
               <a:lumMod val="75000"/>
             </a:schemeClr>
           </a:solidFill>
-          <a:ln w="12700">
+          <a:ln w="38100">
             <a:solidFill>
-              <a:schemeClr val="tx1"/>
+              <a:schemeClr val="accent4">
+                <a:lumMod val="50000"/>
+              </a:schemeClr>
             </a:solidFill>
           </a:ln>
         </p:spPr>
@@ -4927,7 +4759,13 @@
           <a:lstStyle/>
           <a:p>
             <a:pPr algn="ctr"/>
-            <a:endParaRPr lang="en-US" dirty="0"/>
+            <a:endParaRPr lang="en-US" dirty="0">
+              <a:solidFill>
+                <a:schemeClr val="accent4">
+                  <a:lumMod val="75000"/>
+                </a:schemeClr>
+              </a:solidFill>
+            </a:endParaRPr>
           </a:p>
         </p:txBody>
       </p:sp>
@@ -4952,13 +4790,15 @@
             <a:avLst/>
           </a:prstGeom>
           <a:solidFill>
-            <a:schemeClr val="accent2">
+            <a:schemeClr val="accent4">
               <a:lumMod val="75000"/>
             </a:schemeClr>
           </a:solidFill>
-          <a:ln w="12700">
+          <a:ln w="38100">
             <a:solidFill>
-              <a:schemeClr val="tx1"/>
+              <a:schemeClr val="accent4">
+                <a:lumMod val="50000"/>
+              </a:schemeClr>
             </a:solidFill>
           </a:ln>
         </p:spPr>
@@ -4983,7 +4823,13 @@
           <a:lstStyle/>
           <a:p>
             <a:pPr algn="ctr"/>
-            <a:endParaRPr lang="en-US" dirty="0"/>
+            <a:endParaRPr lang="en-US" dirty="0">
+              <a:solidFill>
+                <a:schemeClr val="accent4">
+                  <a:lumMod val="75000"/>
+                </a:schemeClr>
+              </a:solidFill>
+            </a:endParaRPr>
           </a:p>
         </p:txBody>
       </p:sp>
@@ -5008,13 +4854,13 @@
             <a:avLst/>
           </a:prstGeom>
           <a:solidFill>
-            <a:schemeClr val="accent2">
-              <a:lumMod val="75000"/>
-            </a:schemeClr>
+            <a:srgbClr val="00B050"/>
           </a:solidFill>
-          <a:ln w="12700">
+          <a:ln w="38100">
             <a:solidFill>
-              <a:schemeClr val="tx1"/>
+              <a:schemeClr val="accent6">
+                <a:lumMod val="50000"/>
+              </a:schemeClr>
             </a:solidFill>
           </a:ln>
         </p:spPr>
@@ -5064,13 +4910,13 @@
             <a:avLst/>
           </a:prstGeom>
           <a:solidFill>
-            <a:schemeClr val="accent2">
-              <a:lumMod val="75000"/>
-            </a:schemeClr>
+            <a:srgbClr val="00B050"/>
           </a:solidFill>
-          <a:ln w="12700">
+          <a:ln w="38100">
             <a:solidFill>
-              <a:schemeClr val="tx1"/>
+              <a:schemeClr val="accent6">
+                <a:lumMod val="50000"/>
+              </a:schemeClr>
             </a:solidFill>
           </a:ln>
         </p:spPr>
@@ -5120,13 +4966,13 @@
             <a:avLst/>
           </a:prstGeom>
           <a:solidFill>
-            <a:schemeClr val="accent2">
-              <a:lumMod val="75000"/>
-            </a:schemeClr>
+            <a:srgbClr val="00B050"/>
           </a:solidFill>
-          <a:ln w="12700">
+          <a:ln w="38100">
             <a:solidFill>
-              <a:schemeClr val="tx1"/>
+              <a:schemeClr val="accent6">
+                <a:lumMod val="50000"/>
+              </a:schemeClr>
             </a:solidFill>
           </a:ln>
         </p:spPr>
@@ -5169,7 +5015,7 @@
         </p:nvSpPr>
         <p:spPr>
           <a:xfrm>
-            <a:off x="2484556" y="2954832"/>
+            <a:off x="2019589" y="2954832"/>
             <a:ext cx="632353" cy="523220"/>
           </a:xfrm>
           <a:prstGeom prst="rect">
@@ -5370,6 +5216,306 @@
                 <a:ea typeface="Cambria Math" panose="02040503050406030204" pitchFamily="18" charset="0"/>
               </a:rPr>
               <a:t>T</a:t>
+            </a:r>
+          </a:p>
+        </p:txBody>
+      </p:sp>
+      <p:sp>
+        <p:nvSpPr>
+          <p:cNvPr id="9" name="Left Brace 8">
+            <a:extLst>
+              <a:ext uri="{FF2B5EF4-FFF2-40B4-BE49-F238E27FC236}">
+                <a16:creationId xmlns:a16="http://schemas.microsoft.com/office/drawing/2014/main" id="{AE738AFE-B171-1666-A022-357EF137D0CA}"/>
+              </a:ext>
+            </a:extLst>
+          </p:cNvPr>
+          <p:cNvSpPr/>
+          <p:nvPr/>
+        </p:nvSpPr>
+        <p:spPr>
+          <a:xfrm rot="5400000">
+            <a:off x="3983808" y="2422689"/>
+            <a:ext cx="405837" cy="2470756"/>
+          </a:xfrm>
+          <a:prstGeom prst="leftBrace">
+            <a:avLst/>
+          </a:prstGeom>
+          <a:ln w="38100">
+            <a:solidFill>
+              <a:schemeClr val="accent5">
+                <a:lumMod val="75000"/>
+              </a:schemeClr>
+            </a:solidFill>
+          </a:ln>
+        </p:spPr>
+        <p:style>
+          <a:lnRef idx="2">
+            <a:schemeClr val="accent1"/>
+          </a:lnRef>
+          <a:fillRef idx="0">
+            <a:schemeClr val="accent1"/>
+          </a:fillRef>
+          <a:effectRef idx="1">
+            <a:schemeClr val="accent1"/>
+          </a:effectRef>
+          <a:fontRef idx="minor">
+            <a:schemeClr val="tx1"/>
+          </a:fontRef>
+        </p:style>
+        <p:txBody>
+          <a:bodyPr rtlCol="0" anchor="ctr"/>
+          <a:lstStyle/>
+          <a:p>
+            <a:pPr algn="ctr"/>
+            <a:endParaRPr lang="en-US"/>
+          </a:p>
+        </p:txBody>
+      </p:sp>
+      <p:sp>
+        <p:nvSpPr>
+          <p:cNvPr id="10" name="TextBox 9">
+            <a:extLst>
+              <a:ext uri="{FF2B5EF4-FFF2-40B4-BE49-F238E27FC236}">
+                <a16:creationId xmlns:a16="http://schemas.microsoft.com/office/drawing/2014/main" id="{2912E7A4-795A-FAD6-11DE-D9F20A7DC5AF}"/>
+              </a:ext>
+            </a:extLst>
+          </p:cNvPr>
+          <p:cNvSpPr txBox="1"/>
+          <p:nvPr/>
+        </p:nvSpPr>
+        <p:spPr>
+          <a:xfrm>
+            <a:off x="3604622" y="2985609"/>
+            <a:ext cx="1154483" cy="461665"/>
+          </a:xfrm>
+          <a:prstGeom prst="rect">
+            <a:avLst/>
+          </a:prstGeom>
+          <a:noFill/>
+          <a:effectLst>
+            <a:glow rad="63500">
+              <a:schemeClr val="accent1">
+                <a:satMod val="175000"/>
+                <a:alpha val="40000"/>
+              </a:schemeClr>
+            </a:glow>
+          </a:effectLst>
+        </p:spPr>
+        <p:txBody>
+          <a:bodyPr wrap="none" rtlCol="0">
+            <a:spAutoFit/>
+          </a:bodyPr>
+          <a:lstStyle/>
+          <a:p>
+            <a:r>
+              <a:rPr lang="en-US" sz="2400" b="1" dirty="0">
+                <a:solidFill>
+                  <a:schemeClr val="accent5">
+                    <a:lumMod val="75000"/>
+                  </a:schemeClr>
+                </a:solidFill>
+              </a:rPr>
+              <a:t>Gene 1</a:t>
+            </a:r>
+          </a:p>
+        </p:txBody>
+      </p:sp>
+      <p:sp>
+        <p:nvSpPr>
+          <p:cNvPr id="13" name="Left Brace 12">
+            <a:extLst>
+              <a:ext uri="{FF2B5EF4-FFF2-40B4-BE49-F238E27FC236}">
+                <a16:creationId xmlns:a16="http://schemas.microsoft.com/office/drawing/2014/main" id="{0E5BF425-72AD-D769-FC7F-F32CB858E2C3}"/>
+              </a:ext>
+            </a:extLst>
+          </p:cNvPr>
+          <p:cNvSpPr/>
+          <p:nvPr/>
+        </p:nvSpPr>
+        <p:spPr>
+          <a:xfrm rot="5400000">
+            <a:off x="7404016" y="2419395"/>
+            <a:ext cx="405837" cy="2470756"/>
+          </a:xfrm>
+          <a:prstGeom prst="leftBrace">
+            <a:avLst/>
+          </a:prstGeom>
+          <a:ln w="38100">
+            <a:solidFill>
+              <a:schemeClr val="accent4">
+                <a:lumMod val="75000"/>
+              </a:schemeClr>
+            </a:solidFill>
+          </a:ln>
+        </p:spPr>
+        <p:style>
+          <a:lnRef idx="2">
+            <a:schemeClr val="accent1"/>
+          </a:lnRef>
+          <a:fillRef idx="0">
+            <a:schemeClr val="accent1"/>
+          </a:fillRef>
+          <a:effectRef idx="1">
+            <a:schemeClr val="accent1"/>
+          </a:effectRef>
+          <a:fontRef idx="minor">
+            <a:schemeClr val="tx1"/>
+          </a:fontRef>
+        </p:style>
+        <p:txBody>
+          <a:bodyPr rtlCol="0" anchor="ctr"/>
+          <a:lstStyle/>
+          <a:p>
+            <a:pPr algn="ctr"/>
+            <a:endParaRPr lang="en-US"/>
+          </a:p>
+        </p:txBody>
+      </p:sp>
+      <p:sp>
+        <p:nvSpPr>
+          <p:cNvPr id="14" name="TextBox 13">
+            <a:extLst>
+              <a:ext uri="{FF2B5EF4-FFF2-40B4-BE49-F238E27FC236}">
+                <a16:creationId xmlns:a16="http://schemas.microsoft.com/office/drawing/2014/main" id="{98017473-1C7E-B057-5348-C2DFE918ED24}"/>
+              </a:ext>
+            </a:extLst>
+          </p:cNvPr>
+          <p:cNvSpPr txBox="1"/>
+          <p:nvPr/>
+        </p:nvSpPr>
+        <p:spPr>
+          <a:xfrm>
+            <a:off x="7029692" y="2954833"/>
+            <a:ext cx="1154483" cy="461665"/>
+          </a:xfrm>
+          <a:prstGeom prst="rect">
+            <a:avLst/>
+          </a:prstGeom>
+          <a:noFill/>
+          <a:effectLst>
+            <a:glow rad="63500">
+              <a:schemeClr val="accent1">
+                <a:satMod val="175000"/>
+                <a:alpha val="40000"/>
+              </a:schemeClr>
+            </a:glow>
+          </a:effectLst>
+        </p:spPr>
+        <p:txBody>
+          <a:bodyPr wrap="none" rtlCol="0">
+            <a:spAutoFit/>
+          </a:bodyPr>
+          <a:lstStyle/>
+          <a:p>
+            <a:r>
+              <a:rPr lang="en-US" sz="2400" b="1" dirty="0">
+                <a:solidFill>
+                  <a:schemeClr val="accent4">
+                    <a:lumMod val="75000"/>
+                  </a:schemeClr>
+                </a:solidFill>
+              </a:rPr>
+              <a:t>Gene 2</a:t>
+            </a:r>
+          </a:p>
+        </p:txBody>
+      </p:sp>
+      <p:sp>
+        <p:nvSpPr>
+          <p:cNvPr id="15" name="Left Brace 14">
+            <a:extLst>
+              <a:ext uri="{FF2B5EF4-FFF2-40B4-BE49-F238E27FC236}">
+                <a16:creationId xmlns:a16="http://schemas.microsoft.com/office/drawing/2014/main" id="{9456DC73-88DD-5E0D-10B6-72F47EAD5B5F}"/>
+              </a:ext>
+            </a:extLst>
+          </p:cNvPr>
+          <p:cNvSpPr/>
+          <p:nvPr/>
+        </p:nvSpPr>
+        <p:spPr>
+          <a:xfrm rot="5400000">
+            <a:off x="10799014" y="2338262"/>
+            <a:ext cx="405837" cy="2633019"/>
+          </a:xfrm>
+          <a:prstGeom prst="leftBrace">
+            <a:avLst/>
+          </a:prstGeom>
+          <a:ln w="38100">
+            <a:solidFill>
+              <a:schemeClr val="accent6">
+                <a:lumMod val="75000"/>
+              </a:schemeClr>
+            </a:solidFill>
+          </a:ln>
+        </p:spPr>
+        <p:style>
+          <a:lnRef idx="2">
+            <a:schemeClr val="accent1"/>
+          </a:lnRef>
+          <a:fillRef idx="0">
+            <a:schemeClr val="accent1"/>
+          </a:fillRef>
+          <a:effectRef idx="1">
+            <a:schemeClr val="accent1"/>
+          </a:effectRef>
+          <a:fontRef idx="minor">
+            <a:schemeClr val="tx1"/>
+          </a:fontRef>
+        </p:style>
+        <p:txBody>
+          <a:bodyPr rtlCol="0" anchor="ctr"/>
+          <a:lstStyle/>
+          <a:p>
+            <a:pPr algn="ctr"/>
+            <a:endParaRPr lang="en-US"/>
+          </a:p>
+        </p:txBody>
+      </p:sp>
+      <p:sp>
+        <p:nvSpPr>
+          <p:cNvPr id="16" name="TextBox 15">
+            <a:extLst>
+              <a:ext uri="{FF2B5EF4-FFF2-40B4-BE49-F238E27FC236}">
+                <a16:creationId xmlns:a16="http://schemas.microsoft.com/office/drawing/2014/main" id="{CE1916B0-1CD3-D125-01CE-4FE7FE470539}"/>
+              </a:ext>
+            </a:extLst>
+          </p:cNvPr>
+          <p:cNvSpPr txBox="1"/>
+          <p:nvPr/>
+        </p:nvSpPr>
+        <p:spPr>
+          <a:xfrm>
+            <a:off x="10424690" y="2954833"/>
+            <a:ext cx="1154483" cy="461665"/>
+          </a:xfrm>
+          <a:prstGeom prst="rect">
+            <a:avLst/>
+          </a:prstGeom>
+          <a:noFill/>
+          <a:effectLst>
+            <a:glow rad="63500">
+              <a:schemeClr val="accent1">
+                <a:satMod val="175000"/>
+                <a:alpha val="40000"/>
+              </a:schemeClr>
+            </a:glow>
+          </a:effectLst>
+        </p:spPr>
+        <p:txBody>
+          <a:bodyPr wrap="square" rtlCol="0">
+            <a:spAutoFit/>
+          </a:bodyPr>
+          <a:lstStyle/>
+          <a:p>
+            <a:r>
+              <a:rPr lang="en-US" sz="2400" b="1" dirty="0">
+                <a:solidFill>
+                  <a:schemeClr val="accent6">
+                    <a:lumMod val="75000"/>
+                  </a:schemeClr>
+                </a:solidFill>
+              </a:rPr>
+              <a:t>Gene 3</a:t>
             </a:r>
           </a:p>
         </p:txBody>
